--- a/RegularExam/04/화면 구현_김동근.pptx
+++ b/RegularExam/04/화면 구현_김동근.pptx
@@ -266,7 +266,7 @@
       </p15:sldGuideLst>
     </p:ext>
     <p:ext uri="http://customooxmlschemas.google.com/">
-      <go:slidesCustomData xmlns:go="http://customooxmlschemas.google.com/" xmlns:ahyp="http://schemas.microsoft.com/office/drawing/2018/hyperlinkcolor" xmlns:p15="http://schemas.microsoft.com/office/powerpoint/2012/main" xmlns:p14="http://schemas.microsoft.com/office/powerpoint/2010/main" xmlns:com="http://schemas.openxmlformats.org/drawingml/2006/compatibility" xmlns:pvml="urn:schemas-microsoft-com:office:powerpoint" xmlns:v="urn:schemas-microsoft-com:vml" xmlns:o="urn:schemas-microsoft-com:office:office" xmlns:dgm="http://schemas.openxmlformats.org/drawingml/2006/diagram" xmlns:c="http://schemas.openxmlformats.org/drawingml/2006/chart" xmlns:mv="urn:schemas-microsoft-com:mac:vml" xmlns:mc="http://schemas.openxmlformats.org/markup-compatibility/2006" xmlns="" r:id="rId20" roundtripDataSignature="AMtx7mgKLaA63WADqDsYhnMZfjVPdvtNPQ=="/>
+      <go:slidesCustomData xmlns="" xmlns:mc="http://schemas.openxmlformats.org/markup-compatibility/2006" xmlns:mv="urn:schemas-microsoft-com:mac:vml" xmlns:c="http://schemas.openxmlformats.org/drawingml/2006/chart" xmlns:dgm="http://schemas.openxmlformats.org/drawingml/2006/diagram" xmlns:o="urn:schemas-microsoft-com:office:office" xmlns:v="urn:schemas-microsoft-com:vml" xmlns:pvml="urn:schemas-microsoft-com:office:powerpoint" xmlns:com="http://schemas.openxmlformats.org/drawingml/2006/compatibility" xmlns:p14="http://schemas.microsoft.com/office/powerpoint/2010/main" xmlns:p15="http://schemas.microsoft.com/office/powerpoint/2012/main" xmlns:ahyp="http://schemas.microsoft.com/office/drawing/2018/hyperlinkcolor" xmlns:go="http://customooxmlschemas.google.com/" r:id="rId20" roundtripDataSignature="AMtx7mgKLaA63WADqDsYhnMZfjVPdvtNPQ=="/>
     </p:ext>
   </p:extLst>
 </p:presentation>
@@ -16650,19 +16650,7 @@
                 <a:cs typeface="Malgun Gothic"/>
                 <a:sym typeface="Malgun Gothic"/>
               </a:rPr>
-              <a:t>화면 </a:t>
-            </a:r>
-            <a:r>
-              <a:rPr lang="ko-KR" altLang="en-US" sz="4400" b="1" i="0" u="none" strike="noStrike" cap="none" dirty="0" smtClean="0">
-                <a:solidFill>
-                  <a:schemeClr val="lt1"/>
-                </a:solidFill>
-                <a:latin typeface="Malgun Gothic"/>
-                <a:ea typeface="Malgun Gothic"/>
-                <a:cs typeface="Malgun Gothic"/>
-                <a:sym typeface="Malgun Gothic"/>
-              </a:rPr>
-              <a:t>구현</a:t>
+              <a:t>화면 구현</a:t>
             </a:r>
             <a:endParaRPr sz="4400" b="1" i="0" u="none" strike="noStrike" cap="none" dirty="0">
               <a:solidFill>
@@ -17102,10 +17090,10 @@
                 <a:cs typeface="Malgun Gothic"/>
                 <a:sym typeface="Malgun Gothic"/>
               </a:rPr>
-              <a:t>0</a:t>
+              <a:t>04.</a:t>
             </a:r>
             <a:r>
-              <a:rPr lang="en-US" altLang="ko-KR" sz="2000" b="1" dirty="0" smtClean="0">
+              <a:rPr lang="ko-KR" altLang="en-US" sz="2000" b="1" dirty="0" smtClean="0">
                 <a:solidFill>
                   <a:srgbClr val="6A7B8B"/>
                 </a:solidFill>
@@ -17114,10 +17102,10 @@
                 <a:cs typeface="Malgun Gothic"/>
                 <a:sym typeface="Malgun Gothic"/>
               </a:rPr>
-              <a:t>3</a:t>
+              <a:t>화면 </a:t>
             </a:r>
             <a:r>
-              <a:rPr lang="en-US" sz="2000" b="1" dirty="0" smtClean="0">
+              <a:rPr lang="ko-KR" altLang="en-US" sz="2000" b="1" dirty="0" smtClean="0">
                 <a:solidFill>
                   <a:srgbClr val="6A7B8B"/>
                 </a:solidFill>
@@ -17126,19 +17114,7 @@
                 <a:cs typeface="Malgun Gothic"/>
                 <a:sym typeface="Malgun Gothic"/>
               </a:rPr>
-              <a:t>.</a:t>
-            </a:r>
-            <a:r>
-              <a:rPr lang="ko-KR" altLang="en-US" sz="2000" b="1" dirty="0" smtClean="0">
-                <a:solidFill>
-                  <a:srgbClr val="6A7B8B"/>
-                </a:solidFill>
-                <a:latin typeface="Malgun Gothic"/>
-                <a:ea typeface="Malgun Gothic"/>
-                <a:cs typeface="Malgun Gothic"/>
-                <a:sym typeface="Malgun Gothic"/>
-              </a:rPr>
-              <a:t>화면 설계</a:t>
+              <a:t>구현</a:t>
             </a:r>
             <a:endParaRPr lang="en-US" altLang="ko-KR" sz="2000" b="1" dirty="0" smtClean="0">
               <a:solidFill>
@@ -17181,7 +17157,7 @@
               <a:t>     </a:t>
             </a:r>
             <a:r>
-              <a:rPr lang="en-US" altLang="ko-KR" sz="2000" b="1" dirty="0" smtClean="0">
+              <a:rPr lang="en-US" altLang="ko-KR" sz="2000" b="1" dirty="0" err="1" smtClean="0">
                 <a:solidFill>
                   <a:srgbClr val="6A7B8B"/>
                 </a:solidFill>
@@ -17190,7 +17166,7 @@
                 <a:cs typeface="Malgun Gothic"/>
                 <a:sym typeface="Malgun Gothic"/>
               </a:rPr>
-              <a:t>Tour</a:t>
+              <a:t>FoodShop</a:t>
             </a:r>
             <a:endParaRPr lang="en-US" sz="2000" b="1" dirty="0">
               <a:solidFill>
@@ -17572,7 +17548,7 @@
                 <a:cs typeface="Malgun Gothic"/>
                 <a:sym typeface="Malgun Gothic"/>
               </a:rPr>
-              <a:t>2022.09.27</a:t>
+              <a:t>2022.10.13</a:t>
             </a:r>
             <a:endParaRPr lang="en-US" altLang="ko-KR" sz="1100" b="1" dirty="0">
               <a:solidFill>
@@ -21090,7 +21066,7 @@
           <a:lstStyle/>
           <a:p>
             <a:r>
-              <a:rPr lang="ko-KR" altLang="en-US" smtClean="0">
+              <a:rPr lang="ko-KR" altLang="en-US" dirty="0" err="1" smtClean="0">
                 <a:solidFill>
                   <a:srgbClr val="6A7B8B"/>
                 </a:solidFill>
@@ -21121,8 +21097,8 @@
         </p:nvSpPr>
         <p:spPr>
           <a:xfrm>
-            <a:off x="5072716" y="4652853"/>
-            <a:ext cx="2537874" cy="307777"/>
+            <a:off x="4958156" y="4110440"/>
+            <a:ext cx="3004349" cy="307777"/>
           </a:xfrm>
           <a:prstGeom prst="rect">
             <a:avLst/>
@@ -21136,12 +21112,36 @@
           <a:lstStyle/>
           <a:p>
             <a:r>
+              <a:rPr lang="en-US" altLang="ko-KR" dirty="0" smtClean="0">
+                <a:solidFill>
+                  <a:srgbClr val="6A7B8B"/>
+                </a:solidFill>
+              </a:rPr>
+              <a:t>Background </a:t>
+            </a:r>
+            <a:r>
               <a:rPr lang="ko-KR" altLang="en-US" dirty="0" smtClean="0">
                 <a:solidFill>
                   <a:srgbClr val="6A7B8B"/>
                 </a:solidFill>
               </a:rPr>
-              <a:t>배경화면 및 이미지 순서 구현</a:t>
+              <a:t>속성 사용 및 </a:t>
+            </a:r>
+            <a:r>
+              <a:rPr lang="ko-KR" altLang="en-US" dirty="0" err="1" smtClean="0">
+                <a:solidFill>
+                  <a:srgbClr val="6A7B8B"/>
+                </a:solidFill>
+              </a:rPr>
+              <a:t>영역구분</a:t>
+            </a:r>
+            <a:r>
+              <a:rPr lang="ko-KR" altLang="en-US" dirty="0" smtClean="0">
+                <a:solidFill>
+                  <a:srgbClr val="6A7B8B"/>
+                </a:solidFill>
+              </a:rPr>
+              <a:t> </a:t>
             </a:r>
             <a:endParaRPr lang="en-US" altLang="ko-KR" dirty="0">
               <a:solidFill>
@@ -21151,102 +21151,6 @@
           </a:p>
         </p:txBody>
       </p:sp>
-      <p:pic>
-        <p:nvPicPr>
-          <p:cNvPr id="2" name="그림 1"/>
-          <p:cNvPicPr>
-            <a:picLocks noChangeAspect="1"/>
-          </p:cNvPicPr>
-          <p:nvPr/>
-        </p:nvPicPr>
-        <p:blipFill>
-          <a:blip r:embed="rId3"/>
-          <a:stretch>
-            <a:fillRect/>
-          </a:stretch>
-        </p:blipFill>
-        <p:spPr>
-          <a:xfrm>
-            <a:off x="318311" y="1541737"/>
-            <a:ext cx="2902434" cy="584766"/>
-          </a:xfrm>
-          <a:prstGeom prst="rect">
-            <a:avLst/>
-          </a:prstGeom>
-        </p:spPr>
-      </p:pic>
-      <p:pic>
-        <p:nvPicPr>
-          <p:cNvPr id="3" name="그림 2"/>
-          <p:cNvPicPr>
-            <a:picLocks noChangeAspect="1"/>
-          </p:cNvPicPr>
-          <p:nvPr/>
-        </p:nvPicPr>
-        <p:blipFill>
-          <a:blip r:embed="rId4"/>
-          <a:stretch>
-            <a:fillRect/>
-          </a:stretch>
-        </p:blipFill>
-        <p:spPr>
-          <a:xfrm>
-            <a:off x="112931" y="995790"/>
-            <a:ext cx="3594366" cy="263127"/>
-          </a:xfrm>
-          <a:prstGeom prst="rect">
-            <a:avLst/>
-          </a:prstGeom>
-        </p:spPr>
-      </p:pic>
-      <p:pic>
-        <p:nvPicPr>
-          <p:cNvPr id="4" name="그림 3"/>
-          <p:cNvPicPr>
-            <a:picLocks noChangeAspect="1"/>
-          </p:cNvPicPr>
-          <p:nvPr/>
-        </p:nvPicPr>
-        <p:blipFill>
-          <a:blip r:embed="rId5"/>
-          <a:stretch>
-            <a:fillRect/>
-          </a:stretch>
-        </p:blipFill>
-        <p:spPr>
-          <a:xfrm>
-            <a:off x="318311" y="2582234"/>
-            <a:ext cx="3766990" cy="2442334"/>
-          </a:xfrm>
-          <a:prstGeom prst="rect">
-            <a:avLst/>
-          </a:prstGeom>
-        </p:spPr>
-      </p:pic>
-      <p:pic>
-        <p:nvPicPr>
-          <p:cNvPr id="5" name="그림 4"/>
-          <p:cNvPicPr>
-            <a:picLocks noChangeAspect="1"/>
-          </p:cNvPicPr>
-          <p:nvPr/>
-        </p:nvPicPr>
-        <p:blipFill>
-          <a:blip r:embed="rId6"/>
-          <a:stretch>
-            <a:fillRect/>
-          </a:stretch>
-        </p:blipFill>
-        <p:spPr>
-          <a:xfrm>
-            <a:off x="5136128" y="720968"/>
-            <a:ext cx="2411051" cy="3749015"/>
-          </a:xfrm>
-          <a:prstGeom prst="rect">
-            <a:avLst/>
-          </a:prstGeom>
-        </p:spPr>
-      </p:pic>
       <p:cxnSp>
         <p:nvCxnSpPr>
           <p:cNvPr id="17" name="직선 화살표 연결선 16"/>
@@ -21283,16 +21187,112 @@
           </a:fontRef>
         </p:style>
       </p:cxnSp>
+      <p:pic>
+        <p:nvPicPr>
+          <p:cNvPr id="6" name="그림 5"/>
+          <p:cNvPicPr>
+            <a:picLocks noChangeAspect="1"/>
+          </p:cNvPicPr>
+          <p:nvPr/>
+        </p:nvPicPr>
+        <p:blipFill>
+          <a:blip r:embed="rId3"/>
+          <a:stretch>
+            <a:fillRect/>
+          </a:stretch>
+        </p:blipFill>
+        <p:spPr>
+          <a:xfrm>
+            <a:off x="795689" y="1566694"/>
+            <a:ext cx="2228850" cy="581025"/>
+          </a:xfrm>
+          <a:prstGeom prst="rect">
+            <a:avLst/>
+          </a:prstGeom>
+        </p:spPr>
+      </p:pic>
+      <p:pic>
+        <p:nvPicPr>
+          <p:cNvPr id="7" name="그림 6"/>
+          <p:cNvPicPr>
+            <a:picLocks noChangeAspect="1"/>
+          </p:cNvPicPr>
+          <p:nvPr/>
+        </p:nvPicPr>
+        <p:blipFill>
+          <a:blip r:embed="rId4"/>
+          <a:stretch>
+            <a:fillRect/>
+          </a:stretch>
+        </p:blipFill>
+        <p:spPr>
+          <a:xfrm>
+            <a:off x="1033814" y="861943"/>
+            <a:ext cx="1752600" cy="381000"/>
+          </a:xfrm>
+          <a:prstGeom prst="rect">
+            <a:avLst/>
+          </a:prstGeom>
+        </p:spPr>
+      </p:pic>
+      <p:pic>
+        <p:nvPicPr>
+          <p:cNvPr id="8" name="그림 7"/>
+          <p:cNvPicPr>
+            <a:picLocks noChangeAspect="1"/>
+          </p:cNvPicPr>
+          <p:nvPr/>
+        </p:nvPicPr>
+        <p:blipFill>
+          <a:blip r:embed="rId5"/>
+          <a:stretch>
+            <a:fillRect/>
+          </a:stretch>
+        </p:blipFill>
+        <p:spPr>
+          <a:xfrm>
+            <a:off x="486126" y="2971381"/>
+            <a:ext cx="2847975" cy="1781175"/>
+          </a:xfrm>
+          <a:prstGeom prst="rect">
+            <a:avLst/>
+          </a:prstGeom>
+        </p:spPr>
+      </p:pic>
+      <p:pic>
+        <p:nvPicPr>
+          <p:cNvPr id="9" name="그림 8"/>
+          <p:cNvPicPr>
+            <a:picLocks noChangeAspect="1"/>
+          </p:cNvPicPr>
+          <p:nvPr/>
+        </p:nvPicPr>
+        <p:blipFill>
+          <a:blip r:embed="rId6"/>
+          <a:stretch>
+            <a:fillRect/>
+          </a:stretch>
+        </p:blipFill>
+        <p:spPr>
+          <a:xfrm>
+            <a:off x="4601918" y="764146"/>
+            <a:ext cx="3600450" cy="1076325"/>
+          </a:xfrm>
+          <a:prstGeom prst="rect">
+            <a:avLst/>
+          </a:prstGeom>
+        </p:spPr>
+      </p:pic>
       <p:cxnSp>
         <p:nvCxnSpPr>
-          <p:cNvPr id="18" name="직선 화살표 연결선 17"/>
+          <p:cNvPr id="21" name="직선 화살표 연결선 20"/>
           <p:cNvCxnSpPr/>
           <p:nvPr/>
         </p:nvCxnSpPr>
         <p:spPr>
           <a:xfrm flipV="1">
-            <a:off x="4261459" y="2571750"/>
-            <a:ext cx="668350" cy="1053161"/>
+            <a:off x="3591177" y="2493818"/>
+            <a:ext cx="839507" cy="1045181"/>
           </a:xfrm>
           <a:prstGeom prst="straightConnector1">
             <a:avLst/>
@@ -21319,6 +21319,54 @@
           </a:fontRef>
         </p:style>
       </p:cxnSp>
+      <p:pic>
+        <p:nvPicPr>
+          <p:cNvPr id="13" name="그림 12"/>
+          <p:cNvPicPr>
+            <a:picLocks noChangeAspect="1"/>
+          </p:cNvPicPr>
+          <p:nvPr/>
+        </p:nvPicPr>
+        <p:blipFill>
+          <a:blip r:embed="rId7"/>
+          <a:stretch>
+            <a:fillRect/>
+          </a:stretch>
+        </p:blipFill>
+        <p:spPr>
+          <a:xfrm>
+            <a:off x="4882904" y="2002814"/>
+            <a:ext cx="3038475" cy="742950"/>
+          </a:xfrm>
+          <a:prstGeom prst="rect">
+            <a:avLst/>
+          </a:prstGeom>
+        </p:spPr>
+      </p:pic>
+      <p:pic>
+        <p:nvPicPr>
+          <p:cNvPr id="14" name="그림 13"/>
+          <p:cNvPicPr>
+            <a:picLocks noChangeAspect="1"/>
+          </p:cNvPicPr>
+          <p:nvPr/>
+        </p:nvPicPr>
+        <p:blipFill>
+          <a:blip r:embed="rId8"/>
+          <a:stretch>
+            <a:fillRect/>
+          </a:stretch>
+        </p:blipFill>
+        <p:spPr>
+          <a:xfrm>
+            <a:off x="5350669" y="2908107"/>
+            <a:ext cx="2219325" cy="942975"/>
+          </a:xfrm>
+          <a:prstGeom prst="rect">
+            <a:avLst/>
+          </a:prstGeom>
+        </p:spPr>
+      </p:pic>
     </p:spTree>
     <p:extLst>
       <p:ext uri="{BB962C8B-B14F-4D97-AF65-F5344CB8AC3E}">
@@ -21340,6 +21388,770 @@
 </file>
 
 <file path=ppt/slides/slide8.xml><?xml version="1.0" encoding="utf-8"?>
+<p:sld xmlns:a="http://schemas.openxmlformats.org/drawingml/2006/main" xmlns:r="http://schemas.openxmlformats.org/officeDocument/2006/relationships" xmlns:p="http://schemas.openxmlformats.org/presentationml/2006/main">
+  <p:cSld>
+    <p:spTree>
+      <p:nvGrpSpPr>
+        <p:cNvPr id="1" name="Shape 166"/>
+        <p:cNvGrpSpPr/>
+        <p:nvPr/>
+      </p:nvGrpSpPr>
+      <p:grpSpPr>
+        <a:xfrm>
+          <a:off x="0" y="0"/>
+          <a:ext cx="0" cy="0"/>
+          <a:chOff x="0" y="0"/>
+          <a:chExt cx="0" cy="0"/>
+        </a:xfrm>
+      </p:grpSpPr>
+      <p:sp>
+        <p:nvSpPr>
+          <p:cNvPr id="167" name="Google Shape;167;p3"/>
+          <p:cNvSpPr/>
+          <p:nvPr/>
+        </p:nvSpPr>
+        <p:spPr>
+          <a:xfrm>
+            <a:off x="1" y="0"/>
+            <a:ext cx="9143999" cy="5143500"/>
+          </a:xfrm>
+          <a:prstGeom prst="rect">
+            <a:avLst/>
+          </a:prstGeom>
+          <a:solidFill>
+            <a:srgbClr val="F0F0F0"/>
+          </a:solidFill>
+          <a:ln>
+            <a:noFill/>
+          </a:ln>
+        </p:spPr>
+        <p:txBody>
+          <a:bodyPr spcFirstLastPara="1" wrap="square" lIns="91425" tIns="45700" rIns="91425" bIns="45700" anchor="ctr" anchorCtr="0">
+            <a:noAutofit/>
+          </a:bodyPr>
+          <a:lstStyle/>
+          <a:p>
+            <a:pPr marL="0" marR="0" lvl="0" indent="0" rtl="0">
+              <a:lnSpc>
+                <a:spcPct val="100000"/>
+              </a:lnSpc>
+              <a:spcBef>
+                <a:spcPts val="0"/>
+              </a:spcBef>
+              <a:spcAft>
+                <a:spcPts val="0"/>
+              </a:spcAft>
+              <a:buClr>
+                <a:srgbClr val="000000"/>
+              </a:buClr>
+              <a:buSzPts val="1800"/>
+              <a:buFont typeface="Arial"/>
+              <a:buNone/>
+            </a:pPr>
+            <a:endParaRPr sz="1800" b="0" i="0" u="none" strike="noStrike" cap="none" dirty="0">
+              <a:solidFill>
+                <a:schemeClr val="lt1"/>
+              </a:solidFill>
+              <a:latin typeface="Malgun Gothic"/>
+              <a:ea typeface="Malgun Gothic"/>
+              <a:cs typeface="Malgun Gothic"/>
+              <a:sym typeface="Malgun Gothic"/>
+            </a:endParaRPr>
+          </a:p>
+        </p:txBody>
+      </p:sp>
+      <p:pic>
+        <p:nvPicPr>
+          <p:cNvPr id="4" name="그림 3"/>
+          <p:cNvPicPr>
+            <a:picLocks noChangeAspect="1"/>
+          </p:cNvPicPr>
+          <p:nvPr/>
+        </p:nvPicPr>
+        <p:blipFill>
+          <a:blip r:embed="rId3"/>
+          <a:stretch>
+            <a:fillRect/>
+          </a:stretch>
+        </p:blipFill>
+        <p:spPr>
+          <a:xfrm>
+            <a:off x="1132781" y="816893"/>
+            <a:ext cx="5916411" cy="1514475"/>
+          </a:xfrm>
+          <a:prstGeom prst="rect">
+            <a:avLst/>
+          </a:prstGeom>
+        </p:spPr>
+      </p:pic>
+      <p:cxnSp>
+        <p:nvCxnSpPr>
+          <p:cNvPr id="23" name="직선 연결선 22"/>
+          <p:cNvCxnSpPr/>
+          <p:nvPr/>
+        </p:nvCxnSpPr>
+        <p:spPr>
+          <a:xfrm>
+            <a:off x="-2" y="712969"/>
+            <a:ext cx="2631520" cy="0"/>
+          </a:xfrm>
+          <a:prstGeom prst="line">
+            <a:avLst/>
+          </a:prstGeom>
+          <a:ln w="12700">
+            <a:solidFill>
+              <a:srgbClr val="6A7B8B"/>
+            </a:solidFill>
+          </a:ln>
+        </p:spPr>
+        <p:style>
+          <a:lnRef idx="1">
+            <a:schemeClr val="accent1"/>
+          </a:lnRef>
+          <a:fillRef idx="0">
+            <a:schemeClr val="accent1"/>
+          </a:fillRef>
+          <a:effectRef idx="0">
+            <a:schemeClr val="accent1"/>
+          </a:effectRef>
+          <a:fontRef idx="minor">
+            <a:schemeClr val="tx1"/>
+          </a:fontRef>
+        </p:style>
+      </p:cxnSp>
+      <p:sp>
+        <p:nvSpPr>
+          <p:cNvPr id="24" name="Google Shape;130;p1"/>
+          <p:cNvSpPr txBox="1"/>
+          <p:nvPr/>
+        </p:nvSpPr>
+        <p:spPr>
+          <a:xfrm>
+            <a:off x="520604" y="52107"/>
+            <a:ext cx="2226933" cy="577200"/>
+          </a:xfrm>
+          <a:prstGeom prst="rect">
+            <a:avLst/>
+          </a:prstGeom>
+          <a:noFill/>
+          <a:ln>
+            <a:noFill/>
+          </a:ln>
+        </p:spPr>
+        <p:txBody>
+          <a:bodyPr spcFirstLastPara="1" wrap="square" lIns="91425" tIns="45700" rIns="91425" bIns="45700" anchor="t" anchorCtr="0">
+            <a:noAutofit/>
+          </a:bodyPr>
+          <a:lstStyle/>
+          <a:p>
+            <a:pPr marL="0" marR="0" lvl="0" indent="0" rtl="0">
+              <a:lnSpc>
+                <a:spcPct val="100000"/>
+              </a:lnSpc>
+              <a:spcBef>
+                <a:spcPts val="0"/>
+              </a:spcBef>
+              <a:spcAft>
+                <a:spcPts val="0"/>
+              </a:spcAft>
+              <a:buClr>
+                <a:srgbClr val="000000"/>
+              </a:buClr>
+              <a:buSzPts val="4400"/>
+              <a:buFont typeface="Arial"/>
+              <a:buNone/>
+            </a:pPr>
+            <a:r>
+              <a:rPr lang="ko-KR" altLang="en-US" sz="1800" b="1" i="0" u="none" strike="noStrike" cap="none" dirty="0" smtClean="0">
+                <a:solidFill>
+                  <a:srgbClr val="6A7B8B"/>
+                </a:solidFill>
+                <a:latin typeface="Malgun Gothic"/>
+                <a:ea typeface="Malgun Gothic"/>
+                <a:cs typeface="Malgun Gothic"/>
+                <a:sym typeface="Malgun Gothic"/>
+              </a:rPr>
+              <a:t>화면</a:t>
+            </a:r>
+            <a:r>
+              <a:rPr lang="en-US" altLang="ko-KR" sz="1800" b="1" i="0" u="none" strike="noStrike" cap="none" dirty="0" smtClean="0">
+                <a:solidFill>
+                  <a:srgbClr val="6A7B8B"/>
+                </a:solidFill>
+                <a:latin typeface="Malgun Gothic"/>
+                <a:ea typeface="Malgun Gothic"/>
+                <a:cs typeface="Malgun Gothic"/>
+                <a:sym typeface="Malgun Gothic"/>
+              </a:rPr>
+              <a:t>UI</a:t>
+            </a:r>
+            <a:endParaRPr sz="1800" b="1" i="0" u="none" strike="noStrike" cap="none" dirty="0">
+              <a:solidFill>
+                <a:srgbClr val="6A7B8B"/>
+              </a:solidFill>
+              <a:latin typeface="Malgun Gothic"/>
+              <a:ea typeface="Malgun Gothic"/>
+              <a:cs typeface="Malgun Gothic"/>
+              <a:sym typeface="Malgun Gothic"/>
+            </a:endParaRPr>
+          </a:p>
+        </p:txBody>
+      </p:sp>
+      <p:sp>
+        <p:nvSpPr>
+          <p:cNvPr id="25" name="Google Shape;130;p1"/>
+          <p:cNvSpPr txBox="1"/>
+          <p:nvPr/>
+        </p:nvSpPr>
+        <p:spPr>
+          <a:xfrm>
+            <a:off x="0" y="-63887"/>
+            <a:ext cx="636622" cy="577200"/>
+          </a:xfrm>
+          <a:prstGeom prst="rect">
+            <a:avLst/>
+          </a:prstGeom>
+          <a:noFill/>
+          <a:ln>
+            <a:noFill/>
+          </a:ln>
+        </p:spPr>
+        <p:txBody>
+          <a:bodyPr spcFirstLastPara="1" wrap="square" lIns="91425" tIns="45700" rIns="91425" bIns="45700" anchor="t" anchorCtr="0">
+            <a:noAutofit/>
+          </a:bodyPr>
+          <a:lstStyle/>
+          <a:p>
+            <a:pPr marL="0" marR="0" lvl="0" indent="0" algn="ctr" rtl="0">
+              <a:lnSpc>
+                <a:spcPct val="100000"/>
+              </a:lnSpc>
+              <a:spcBef>
+                <a:spcPts val="0"/>
+              </a:spcBef>
+              <a:spcAft>
+                <a:spcPts val="0"/>
+              </a:spcAft>
+              <a:buClr>
+                <a:srgbClr val="000000"/>
+              </a:buClr>
+              <a:buSzPts val="4400"/>
+              <a:buFont typeface="Arial"/>
+              <a:buNone/>
+            </a:pPr>
+            <a:r>
+              <a:rPr lang="en-US" altLang="ko-KR" sz="4800" b="1" i="0" u="none" strike="noStrike" cap="none" dirty="0" smtClean="0">
+                <a:solidFill>
+                  <a:srgbClr val="6A7B8B"/>
+                </a:solidFill>
+                <a:latin typeface="Malgun Gothic"/>
+                <a:ea typeface="Malgun Gothic"/>
+                <a:cs typeface="Malgun Gothic"/>
+                <a:sym typeface="Malgun Gothic"/>
+              </a:rPr>
+              <a:t>3</a:t>
+            </a:r>
+            <a:endParaRPr sz="4800" b="1" i="0" u="none" strike="noStrike" cap="none" dirty="0">
+              <a:solidFill>
+                <a:srgbClr val="6A7B8B"/>
+              </a:solidFill>
+              <a:latin typeface="Malgun Gothic"/>
+              <a:ea typeface="Malgun Gothic"/>
+              <a:cs typeface="Malgun Gothic"/>
+              <a:sym typeface="Malgun Gothic"/>
+            </a:endParaRPr>
+          </a:p>
+        </p:txBody>
+      </p:sp>
+      <p:sp>
+        <p:nvSpPr>
+          <p:cNvPr id="27" name="Google Shape;130;p1"/>
+          <p:cNvSpPr txBox="1"/>
+          <p:nvPr/>
+        </p:nvSpPr>
+        <p:spPr>
+          <a:xfrm>
+            <a:off x="520604" y="353407"/>
+            <a:ext cx="2109881" cy="223793"/>
+          </a:xfrm>
+          <a:prstGeom prst="rect">
+            <a:avLst/>
+          </a:prstGeom>
+          <a:noFill/>
+          <a:ln>
+            <a:noFill/>
+          </a:ln>
+        </p:spPr>
+        <p:txBody>
+          <a:bodyPr spcFirstLastPara="1" wrap="square" lIns="91425" tIns="45700" rIns="91425" bIns="45700" anchor="t" anchorCtr="0">
+            <a:noAutofit/>
+          </a:bodyPr>
+          <a:lstStyle/>
+          <a:p>
+            <a:pPr marL="0" marR="0" lvl="0" indent="0" rtl="0">
+              <a:lnSpc>
+                <a:spcPct val="100000"/>
+              </a:lnSpc>
+              <a:spcBef>
+                <a:spcPts val="0"/>
+              </a:spcBef>
+              <a:spcAft>
+                <a:spcPts val="0"/>
+              </a:spcAft>
+              <a:buClr>
+                <a:srgbClr val="000000"/>
+              </a:buClr>
+              <a:buSzPts val="4400"/>
+              <a:buFont typeface="Arial"/>
+              <a:buNone/>
+            </a:pPr>
+            <a:r>
+              <a:rPr lang="en-US" altLang="ko-KR" sz="1100" i="0" u="none" strike="noStrike" cap="none" dirty="0" smtClean="0">
+                <a:solidFill>
+                  <a:srgbClr val="6A7B8B"/>
+                </a:solidFill>
+                <a:latin typeface="Malgun Gothic"/>
+                <a:ea typeface="Malgun Gothic"/>
+                <a:cs typeface="Malgun Gothic"/>
+                <a:sym typeface="Malgun Gothic"/>
+              </a:rPr>
+              <a:t>| </a:t>
+            </a:r>
+            <a:r>
+              <a:rPr lang="ko-KR" altLang="en-US" sz="1100" i="0" u="none" strike="noStrike" cap="none" dirty="0" err="1" smtClean="0">
+                <a:solidFill>
+                  <a:srgbClr val="6A7B8B"/>
+                </a:solidFill>
+                <a:latin typeface="Malgun Gothic"/>
+                <a:ea typeface="Malgun Gothic"/>
+                <a:cs typeface="Malgun Gothic"/>
+                <a:sym typeface="Malgun Gothic"/>
+              </a:rPr>
+              <a:t>실구현</a:t>
+            </a:r>
+            <a:r>
+              <a:rPr lang="ko-KR" altLang="en-US" sz="1100" i="0" u="none" strike="noStrike" cap="none" dirty="0" smtClean="0">
+                <a:solidFill>
+                  <a:srgbClr val="6A7B8B"/>
+                </a:solidFill>
+                <a:latin typeface="Malgun Gothic"/>
+                <a:ea typeface="Malgun Gothic"/>
+                <a:cs typeface="Malgun Gothic"/>
+                <a:sym typeface="Malgun Gothic"/>
+              </a:rPr>
+              <a:t> </a:t>
+            </a:r>
+            <a:r>
+              <a:rPr lang="en-US" altLang="ko-KR" sz="1100" i="0" u="none" strike="noStrike" cap="none" dirty="0" smtClean="0">
+                <a:solidFill>
+                  <a:srgbClr val="6A7B8B"/>
+                </a:solidFill>
+                <a:latin typeface="Malgun Gothic"/>
+                <a:ea typeface="Malgun Gothic"/>
+                <a:cs typeface="Malgun Gothic"/>
+                <a:sym typeface="Malgun Gothic"/>
+              </a:rPr>
+              <a:t>UI</a:t>
+            </a:r>
+            <a:endParaRPr sz="1100" i="0" u="none" strike="noStrike" cap="none" dirty="0">
+              <a:solidFill>
+                <a:srgbClr val="6A7B8B"/>
+              </a:solidFill>
+              <a:latin typeface="Malgun Gothic"/>
+              <a:ea typeface="Malgun Gothic"/>
+              <a:cs typeface="Malgun Gothic"/>
+              <a:sym typeface="Malgun Gothic"/>
+            </a:endParaRPr>
+          </a:p>
+        </p:txBody>
+      </p:sp>
+      <p:sp>
+        <p:nvSpPr>
+          <p:cNvPr id="16" name="TextBox 15"/>
+          <p:cNvSpPr txBox="1"/>
+          <p:nvPr/>
+        </p:nvSpPr>
+        <p:spPr>
+          <a:xfrm>
+            <a:off x="317293" y="4466943"/>
+            <a:ext cx="1590500" cy="307777"/>
+          </a:xfrm>
+          <a:prstGeom prst="rect">
+            <a:avLst/>
+          </a:prstGeom>
+          <a:noFill/>
+        </p:spPr>
+        <p:txBody>
+          <a:bodyPr wrap="none" rtlCol="0">
+            <a:spAutoFit/>
+          </a:bodyPr>
+          <a:lstStyle/>
+          <a:p>
+            <a:r>
+              <a:rPr lang="ko-KR" altLang="en-US" dirty="0" smtClean="0">
+                <a:solidFill>
+                  <a:srgbClr val="6A7B8B"/>
+                </a:solidFill>
+              </a:rPr>
+              <a:t>지역 </a:t>
+            </a:r>
+            <a:r>
+              <a:rPr lang="ko-KR" altLang="en-US" dirty="0" smtClean="0">
+                <a:solidFill>
+                  <a:srgbClr val="6A7B8B"/>
+                </a:solidFill>
+              </a:rPr>
+              <a:t>구분 </a:t>
+            </a:r>
+            <a:r>
+              <a:rPr lang="ko-KR" altLang="en-US" dirty="0" smtClean="0">
+                <a:solidFill>
+                  <a:srgbClr val="6A7B8B"/>
+                </a:solidFill>
+              </a:rPr>
+              <a:t>및 정렬</a:t>
+            </a:r>
+            <a:endParaRPr lang="en-US" altLang="ko-KR" dirty="0">
+              <a:solidFill>
+                <a:srgbClr val="6A7B8B"/>
+              </a:solidFill>
+            </a:endParaRPr>
+          </a:p>
+        </p:txBody>
+      </p:sp>
+      <p:cxnSp>
+        <p:nvCxnSpPr>
+          <p:cNvPr id="19" name="직선 화살표 연결선 18"/>
+          <p:cNvCxnSpPr/>
+          <p:nvPr/>
+        </p:nvCxnSpPr>
+        <p:spPr>
+          <a:xfrm flipV="1">
+            <a:off x="1449951" y="2317311"/>
+            <a:ext cx="323906" cy="252542"/>
+          </a:xfrm>
+          <a:prstGeom prst="straightConnector1">
+            <a:avLst/>
+          </a:prstGeom>
+          <a:ln w="38100">
+            <a:solidFill>
+              <a:srgbClr val="FF0000"/>
+            </a:solidFill>
+            <a:tailEnd type="triangle"/>
+          </a:ln>
+        </p:spPr>
+        <p:style>
+          <a:lnRef idx="1">
+            <a:schemeClr val="accent1"/>
+          </a:lnRef>
+          <a:fillRef idx="0">
+            <a:schemeClr val="accent1"/>
+          </a:fillRef>
+          <a:effectRef idx="0">
+            <a:schemeClr val="accent1"/>
+          </a:effectRef>
+          <a:fontRef idx="minor">
+            <a:schemeClr val="tx1"/>
+          </a:fontRef>
+        </p:style>
+      </p:cxnSp>
+      <p:cxnSp>
+        <p:nvCxnSpPr>
+          <p:cNvPr id="20" name="직선 화살표 연결선 19"/>
+          <p:cNvCxnSpPr/>
+          <p:nvPr/>
+        </p:nvCxnSpPr>
+        <p:spPr>
+          <a:xfrm flipH="1" flipV="1">
+            <a:off x="3474720" y="1993748"/>
+            <a:ext cx="840775" cy="538283"/>
+          </a:xfrm>
+          <a:prstGeom prst="straightConnector1">
+            <a:avLst/>
+          </a:prstGeom>
+          <a:ln w="38100">
+            <a:solidFill>
+              <a:srgbClr val="FF0000"/>
+            </a:solidFill>
+            <a:tailEnd type="triangle"/>
+          </a:ln>
+        </p:spPr>
+        <p:style>
+          <a:lnRef idx="1">
+            <a:schemeClr val="accent1"/>
+          </a:lnRef>
+          <a:fillRef idx="0">
+            <a:schemeClr val="accent1"/>
+          </a:fillRef>
+          <a:effectRef idx="0">
+            <a:schemeClr val="accent1"/>
+          </a:effectRef>
+          <a:fontRef idx="minor">
+            <a:schemeClr val="tx1"/>
+          </a:fontRef>
+        </p:style>
+      </p:cxnSp>
+      <p:cxnSp>
+        <p:nvCxnSpPr>
+          <p:cNvPr id="26" name="직선 화살표 연결선 25"/>
+          <p:cNvCxnSpPr/>
+          <p:nvPr/>
+        </p:nvCxnSpPr>
+        <p:spPr>
+          <a:xfrm flipV="1">
+            <a:off x="4315495" y="1917351"/>
+            <a:ext cx="381196" cy="638696"/>
+          </a:xfrm>
+          <a:prstGeom prst="straightConnector1">
+            <a:avLst/>
+          </a:prstGeom>
+          <a:ln w="38100">
+            <a:solidFill>
+              <a:srgbClr val="FF0000"/>
+            </a:solidFill>
+            <a:tailEnd type="triangle"/>
+          </a:ln>
+        </p:spPr>
+        <p:style>
+          <a:lnRef idx="1">
+            <a:schemeClr val="accent1"/>
+          </a:lnRef>
+          <a:fillRef idx="0">
+            <a:schemeClr val="accent1"/>
+          </a:fillRef>
+          <a:effectRef idx="0">
+            <a:schemeClr val="accent1"/>
+          </a:effectRef>
+          <a:fontRef idx="minor">
+            <a:schemeClr val="tx1"/>
+          </a:fontRef>
+        </p:style>
+      </p:cxnSp>
+      <p:sp>
+        <p:nvSpPr>
+          <p:cNvPr id="28" name="TextBox 27"/>
+          <p:cNvSpPr txBox="1"/>
+          <p:nvPr/>
+        </p:nvSpPr>
+        <p:spPr>
+          <a:xfrm>
+            <a:off x="2503672" y="4466943"/>
+            <a:ext cx="2457724" cy="307777"/>
+          </a:xfrm>
+          <a:prstGeom prst="rect">
+            <a:avLst/>
+          </a:prstGeom>
+          <a:noFill/>
+        </p:spPr>
+        <p:txBody>
+          <a:bodyPr wrap="none" rtlCol="0">
+            <a:spAutoFit/>
+          </a:bodyPr>
+          <a:lstStyle/>
+          <a:p>
+            <a:r>
+              <a:rPr lang="en-US" altLang="ko-KR" dirty="0">
+                <a:solidFill>
+                  <a:srgbClr val="6A7B8B"/>
+                </a:solidFill>
+              </a:rPr>
+              <a:t>a</a:t>
+            </a:r>
+            <a:r>
+              <a:rPr lang="ko-KR" altLang="en-US" dirty="0" smtClean="0">
+                <a:solidFill>
+                  <a:srgbClr val="6A7B8B"/>
+                </a:solidFill>
+              </a:rPr>
+              <a:t>태그 </a:t>
+            </a:r>
+            <a:r>
+              <a:rPr lang="ko-KR" altLang="en-US" dirty="0" err="1" smtClean="0">
+                <a:solidFill>
+                  <a:srgbClr val="6A7B8B"/>
+                </a:solidFill>
+              </a:rPr>
+              <a:t>블럭으로</a:t>
+            </a:r>
+            <a:r>
+              <a:rPr lang="ko-KR" altLang="en-US" dirty="0" smtClean="0">
+                <a:solidFill>
+                  <a:srgbClr val="6A7B8B"/>
+                </a:solidFill>
+              </a:rPr>
+              <a:t> 변환 후 </a:t>
+            </a:r>
+            <a:r>
+              <a:rPr lang="ko-KR" altLang="en-US" dirty="0" err="1" smtClean="0">
+                <a:solidFill>
+                  <a:srgbClr val="6A7B8B"/>
+                </a:solidFill>
+              </a:rPr>
+              <a:t>데코</a:t>
+            </a:r>
+            <a:endParaRPr lang="en-US" altLang="ko-KR" dirty="0">
+              <a:solidFill>
+                <a:srgbClr val="6A7B8B"/>
+              </a:solidFill>
+            </a:endParaRPr>
+          </a:p>
+        </p:txBody>
+      </p:sp>
+      <p:sp>
+        <p:nvSpPr>
+          <p:cNvPr id="30" name="TextBox 29"/>
+          <p:cNvSpPr txBox="1"/>
+          <p:nvPr/>
+        </p:nvSpPr>
+        <p:spPr>
+          <a:xfrm>
+            <a:off x="5988143" y="4565718"/>
+            <a:ext cx="2129109" cy="307777"/>
+          </a:xfrm>
+          <a:prstGeom prst="rect">
+            <a:avLst/>
+          </a:prstGeom>
+          <a:noFill/>
+        </p:spPr>
+        <p:txBody>
+          <a:bodyPr wrap="none" rtlCol="0">
+            <a:spAutoFit/>
+          </a:bodyPr>
+          <a:lstStyle/>
+          <a:p>
+            <a:r>
+              <a:rPr lang="ko-KR" altLang="en-US" dirty="0" smtClean="0">
+                <a:solidFill>
+                  <a:srgbClr val="6A7B8B"/>
+                </a:solidFill>
+              </a:rPr>
+              <a:t>리스트 이용 </a:t>
+            </a:r>
+            <a:r>
+              <a:rPr lang="ko-KR" altLang="en-US" dirty="0" err="1" smtClean="0">
+                <a:solidFill>
+                  <a:srgbClr val="6A7B8B"/>
+                </a:solidFill>
+              </a:rPr>
+              <a:t>메뉴판</a:t>
+            </a:r>
+            <a:r>
+              <a:rPr lang="ko-KR" altLang="en-US" dirty="0" smtClean="0">
+                <a:solidFill>
+                  <a:srgbClr val="6A7B8B"/>
+                </a:solidFill>
+              </a:rPr>
+              <a:t> </a:t>
+            </a:r>
+            <a:r>
+              <a:rPr lang="ko-KR" altLang="en-US" dirty="0" smtClean="0">
+                <a:solidFill>
+                  <a:srgbClr val="6A7B8B"/>
+                </a:solidFill>
+              </a:rPr>
+              <a:t>구현</a:t>
+            </a:r>
+            <a:endParaRPr lang="en-US" altLang="ko-KR" dirty="0">
+              <a:solidFill>
+                <a:srgbClr val="6A7B8B"/>
+              </a:solidFill>
+            </a:endParaRPr>
+          </a:p>
+        </p:txBody>
+      </p:sp>
+      <p:pic>
+        <p:nvPicPr>
+          <p:cNvPr id="5" name="그림 4"/>
+          <p:cNvPicPr>
+            <a:picLocks noChangeAspect="1"/>
+          </p:cNvPicPr>
+          <p:nvPr/>
+        </p:nvPicPr>
+        <p:blipFill>
+          <a:blip r:embed="rId4"/>
+          <a:stretch>
+            <a:fillRect/>
+          </a:stretch>
+        </p:blipFill>
+        <p:spPr>
+          <a:xfrm>
+            <a:off x="321847" y="2610096"/>
+            <a:ext cx="1836557" cy="1728170"/>
+          </a:xfrm>
+          <a:prstGeom prst="rect">
+            <a:avLst/>
+          </a:prstGeom>
+        </p:spPr>
+      </p:pic>
+      <p:pic>
+        <p:nvPicPr>
+          <p:cNvPr id="10" name="그림 9"/>
+          <p:cNvPicPr>
+            <a:picLocks noChangeAspect="1"/>
+          </p:cNvPicPr>
+          <p:nvPr/>
+        </p:nvPicPr>
+        <p:blipFill>
+          <a:blip r:embed="rId5"/>
+          <a:stretch>
+            <a:fillRect/>
+          </a:stretch>
+        </p:blipFill>
+        <p:spPr>
+          <a:xfrm>
+            <a:off x="2381179" y="2608428"/>
+            <a:ext cx="3070668" cy="1729838"/>
+          </a:xfrm>
+          <a:prstGeom prst="rect">
+            <a:avLst/>
+          </a:prstGeom>
+        </p:spPr>
+      </p:pic>
+      <p:pic>
+        <p:nvPicPr>
+          <p:cNvPr id="15" name="그림 14"/>
+          <p:cNvPicPr>
+            <a:picLocks noChangeAspect="1"/>
+          </p:cNvPicPr>
+          <p:nvPr/>
+        </p:nvPicPr>
+        <p:blipFill>
+          <a:blip r:embed="rId6"/>
+          <a:stretch>
+            <a:fillRect/>
+          </a:stretch>
+        </p:blipFill>
+        <p:spPr>
+          <a:xfrm>
+            <a:off x="5514512" y="2608428"/>
+            <a:ext cx="3205539" cy="1729838"/>
+          </a:xfrm>
+          <a:prstGeom prst="rect">
+            <a:avLst/>
+          </a:prstGeom>
+        </p:spPr>
+      </p:pic>
+    </p:spTree>
+    <p:extLst>
+      <p:ext uri="{BB962C8B-B14F-4D97-AF65-F5344CB8AC3E}">
+        <p14:creationId xmlns:p14="http://schemas.microsoft.com/office/powerpoint/2010/main" val="1813454964"/>
+      </p:ext>
+    </p:extLst>
+  </p:cSld>
+  <p:clrMapOvr>
+    <a:masterClrMapping/>
+  </p:clrMapOvr>
+  <p:timing>
+    <p:tnLst>
+      <p:par>
+        <p:cTn id="1" dur="indefinite" restart="never" nodeType="tmRoot"/>
+      </p:par>
+    </p:tnLst>
+  </p:timing>
+</p:sld>
+</file>
+
+<file path=ppt/slides/slide9.xml><?xml version="1.0" encoding="utf-8"?>
 <p:sld xmlns:a="http://schemas.openxmlformats.org/drawingml/2006/main" xmlns:r="http://schemas.openxmlformats.org/officeDocument/2006/relationships" xmlns:p="http://schemas.openxmlformats.org/presentationml/2006/main">
   <p:cSld>
     <p:spTree>
@@ -21490,698 +22302,6 @@
               <a:buNone/>
             </a:pPr>
             <a:r>
-              <a:rPr lang="ko-KR" altLang="en-US" sz="1800" b="1" i="0" u="none" strike="noStrike" cap="none" dirty="0" smtClean="0">
-                <a:solidFill>
-                  <a:srgbClr val="6A7B8B"/>
-                </a:solidFill>
-                <a:latin typeface="Malgun Gothic"/>
-                <a:ea typeface="Malgun Gothic"/>
-                <a:cs typeface="Malgun Gothic"/>
-                <a:sym typeface="Malgun Gothic"/>
-              </a:rPr>
-              <a:t>화면</a:t>
-            </a:r>
-            <a:r>
-              <a:rPr lang="en-US" altLang="ko-KR" sz="1800" b="1" i="0" u="none" strike="noStrike" cap="none" dirty="0" smtClean="0">
-                <a:solidFill>
-                  <a:srgbClr val="6A7B8B"/>
-                </a:solidFill>
-                <a:latin typeface="Malgun Gothic"/>
-                <a:ea typeface="Malgun Gothic"/>
-                <a:cs typeface="Malgun Gothic"/>
-                <a:sym typeface="Malgun Gothic"/>
-              </a:rPr>
-              <a:t>UI</a:t>
-            </a:r>
-            <a:endParaRPr sz="1800" b="1" i="0" u="none" strike="noStrike" cap="none" dirty="0">
-              <a:solidFill>
-                <a:srgbClr val="6A7B8B"/>
-              </a:solidFill>
-              <a:latin typeface="Malgun Gothic"/>
-              <a:ea typeface="Malgun Gothic"/>
-              <a:cs typeface="Malgun Gothic"/>
-              <a:sym typeface="Malgun Gothic"/>
-            </a:endParaRPr>
-          </a:p>
-        </p:txBody>
-      </p:sp>
-      <p:sp>
-        <p:nvSpPr>
-          <p:cNvPr id="25" name="Google Shape;130;p1"/>
-          <p:cNvSpPr txBox="1"/>
-          <p:nvPr/>
-        </p:nvSpPr>
-        <p:spPr>
-          <a:xfrm>
-            <a:off x="0" y="-63887"/>
-            <a:ext cx="636622" cy="577200"/>
-          </a:xfrm>
-          <a:prstGeom prst="rect">
-            <a:avLst/>
-          </a:prstGeom>
-          <a:noFill/>
-          <a:ln>
-            <a:noFill/>
-          </a:ln>
-        </p:spPr>
-        <p:txBody>
-          <a:bodyPr spcFirstLastPara="1" wrap="square" lIns="91425" tIns="45700" rIns="91425" bIns="45700" anchor="t" anchorCtr="0">
-            <a:noAutofit/>
-          </a:bodyPr>
-          <a:lstStyle/>
-          <a:p>
-            <a:pPr marL="0" marR="0" lvl="0" indent="0" algn="ctr" rtl="0">
-              <a:lnSpc>
-                <a:spcPct val="100000"/>
-              </a:lnSpc>
-              <a:spcBef>
-                <a:spcPts val="0"/>
-              </a:spcBef>
-              <a:spcAft>
-                <a:spcPts val="0"/>
-              </a:spcAft>
-              <a:buClr>
-                <a:srgbClr val="000000"/>
-              </a:buClr>
-              <a:buSzPts val="4400"/>
-              <a:buFont typeface="Arial"/>
-              <a:buNone/>
-            </a:pPr>
-            <a:r>
-              <a:rPr lang="en-US" altLang="ko-KR" sz="4800" b="1" i="0" u="none" strike="noStrike" cap="none" dirty="0" smtClean="0">
-                <a:solidFill>
-                  <a:srgbClr val="6A7B8B"/>
-                </a:solidFill>
-                <a:latin typeface="Malgun Gothic"/>
-                <a:ea typeface="Malgun Gothic"/>
-                <a:cs typeface="Malgun Gothic"/>
-                <a:sym typeface="Malgun Gothic"/>
-              </a:rPr>
-              <a:t>3</a:t>
-            </a:r>
-            <a:endParaRPr sz="4800" b="1" i="0" u="none" strike="noStrike" cap="none" dirty="0">
-              <a:solidFill>
-                <a:srgbClr val="6A7B8B"/>
-              </a:solidFill>
-              <a:latin typeface="Malgun Gothic"/>
-              <a:ea typeface="Malgun Gothic"/>
-              <a:cs typeface="Malgun Gothic"/>
-              <a:sym typeface="Malgun Gothic"/>
-            </a:endParaRPr>
-          </a:p>
-        </p:txBody>
-      </p:sp>
-      <p:sp>
-        <p:nvSpPr>
-          <p:cNvPr id="27" name="Google Shape;130;p1"/>
-          <p:cNvSpPr txBox="1"/>
-          <p:nvPr/>
-        </p:nvSpPr>
-        <p:spPr>
-          <a:xfrm>
-            <a:off x="520604" y="353407"/>
-            <a:ext cx="2109881" cy="223793"/>
-          </a:xfrm>
-          <a:prstGeom prst="rect">
-            <a:avLst/>
-          </a:prstGeom>
-          <a:noFill/>
-          <a:ln>
-            <a:noFill/>
-          </a:ln>
-        </p:spPr>
-        <p:txBody>
-          <a:bodyPr spcFirstLastPara="1" wrap="square" lIns="91425" tIns="45700" rIns="91425" bIns="45700" anchor="t" anchorCtr="0">
-            <a:noAutofit/>
-          </a:bodyPr>
-          <a:lstStyle/>
-          <a:p>
-            <a:pPr marL="0" marR="0" lvl="0" indent="0" rtl="0">
-              <a:lnSpc>
-                <a:spcPct val="100000"/>
-              </a:lnSpc>
-              <a:spcBef>
-                <a:spcPts val="0"/>
-              </a:spcBef>
-              <a:spcAft>
-                <a:spcPts val="0"/>
-              </a:spcAft>
-              <a:buClr>
-                <a:srgbClr val="000000"/>
-              </a:buClr>
-              <a:buSzPts val="4400"/>
-              <a:buFont typeface="Arial"/>
-              <a:buNone/>
-            </a:pPr>
-            <a:r>
-              <a:rPr lang="en-US" altLang="ko-KR" sz="1100" i="0" u="none" strike="noStrike" cap="none" dirty="0" smtClean="0">
-                <a:solidFill>
-                  <a:srgbClr val="6A7B8B"/>
-                </a:solidFill>
-                <a:latin typeface="Malgun Gothic"/>
-                <a:ea typeface="Malgun Gothic"/>
-                <a:cs typeface="Malgun Gothic"/>
-                <a:sym typeface="Malgun Gothic"/>
-              </a:rPr>
-              <a:t>| </a:t>
-            </a:r>
-            <a:r>
-              <a:rPr lang="ko-KR" altLang="en-US" sz="1100" i="0" u="none" strike="noStrike" cap="none" dirty="0" err="1" smtClean="0">
-                <a:solidFill>
-                  <a:srgbClr val="6A7B8B"/>
-                </a:solidFill>
-                <a:latin typeface="Malgun Gothic"/>
-                <a:ea typeface="Malgun Gothic"/>
-                <a:cs typeface="Malgun Gothic"/>
-                <a:sym typeface="Malgun Gothic"/>
-              </a:rPr>
-              <a:t>실구현</a:t>
-            </a:r>
-            <a:r>
-              <a:rPr lang="ko-KR" altLang="en-US" sz="1100" i="0" u="none" strike="noStrike" cap="none" dirty="0" smtClean="0">
-                <a:solidFill>
-                  <a:srgbClr val="6A7B8B"/>
-                </a:solidFill>
-                <a:latin typeface="Malgun Gothic"/>
-                <a:ea typeface="Malgun Gothic"/>
-                <a:cs typeface="Malgun Gothic"/>
-                <a:sym typeface="Malgun Gothic"/>
-              </a:rPr>
-              <a:t> </a:t>
-            </a:r>
-            <a:r>
-              <a:rPr lang="en-US" altLang="ko-KR" sz="1100" i="0" u="none" strike="noStrike" cap="none" dirty="0" smtClean="0">
-                <a:solidFill>
-                  <a:srgbClr val="6A7B8B"/>
-                </a:solidFill>
-                <a:latin typeface="Malgun Gothic"/>
-                <a:ea typeface="Malgun Gothic"/>
-                <a:cs typeface="Malgun Gothic"/>
-                <a:sym typeface="Malgun Gothic"/>
-              </a:rPr>
-              <a:t>UI</a:t>
-            </a:r>
-            <a:endParaRPr sz="1100" i="0" u="none" strike="noStrike" cap="none" dirty="0">
-              <a:solidFill>
-                <a:srgbClr val="6A7B8B"/>
-              </a:solidFill>
-              <a:latin typeface="Malgun Gothic"/>
-              <a:ea typeface="Malgun Gothic"/>
-              <a:cs typeface="Malgun Gothic"/>
-              <a:sym typeface="Malgun Gothic"/>
-            </a:endParaRPr>
-          </a:p>
-        </p:txBody>
-      </p:sp>
-      <p:sp>
-        <p:nvSpPr>
-          <p:cNvPr id="16" name="TextBox 15"/>
-          <p:cNvSpPr txBox="1"/>
-          <p:nvPr/>
-        </p:nvSpPr>
-        <p:spPr>
-          <a:xfrm>
-            <a:off x="989461" y="4652853"/>
-            <a:ext cx="952505" cy="307777"/>
-          </a:xfrm>
-          <a:prstGeom prst="rect">
-            <a:avLst/>
-          </a:prstGeom>
-          <a:noFill/>
-        </p:spPr>
-        <p:txBody>
-          <a:bodyPr wrap="none" rtlCol="0">
-            <a:spAutoFit/>
-          </a:bodyPr>
-          <a:lstStyle/>
-          <a:p>
-            <a:r>
-              <a:rPr lang="ko-KR" altLang="en-US" dirty="0" smtClean="0">
-                <a:solidFill>
-                  <a:srgbClr val="6A7B8B"/>
-                </a:solidFill>
-              </a:rPr>
-              <a:t>지역 구분</a:t>
-            </a:r>
-            <a:endParaRPr lang="en-US" altLang="ko-KR" dirty="0">
-              <a:solidFill>
-                <a:srgbClr val="6A7B8B"/>
-              </a:solidFill>
-            </a:endParaRPr>
-          </a:p>
-        </p:txBody>
-      </p:sp>
-      <p:pic>
-        <p:nvPicPr>
-          <p:cNvPr id="6" name="그림 5"/>
-          <p:cNvPicPr>
-            <a:picLocks noChangeAspect="1"/>
-          </p:cNvPicPr>
-          <p:nvPr/>
-        </p:nvPicPr>
-        <p:blipFill>
-          <a:blip r:embed="rId3"/>
-          <a:stretch>
-            <a:fillRect/>
-          </a:stretch>
-        </p:blipFill>
-        <p:spPr>
-          <a:xfrm>
-            <a:off x="835405" y="848739"/>
-            <a:ext cx="6380404" cy="1501644"/>
-          </a:xfrm>
-          <a:prstGeom prst="rect">
-            <a:avLst/>
-          </a:prstGeom>
-        </p:spPr>
-      </p:pic>
-      <p:pic>
-        <p:nvPicPr>
-          <p:cNvPr id="7" name="그림 6"/>
-          <p:cNvPicPr>
-            <a:picLocks noChangeAspect="1"/>
-          </p:cNvPicPr>
-          <p:nvPr/>
-        </p:nvPicPr>
-        <p:blipFill>
-          <a:blip r:embed="rId4"/>
-          <a:stretch>
-            <a:fillRect/>
-          </a:stretch>
-        </p:blipFill>
-        <p:spPr>
-          <a:xfrm>
-            <a:off x="468783" y="2569815"/>
-            <a:ext cx="1993863" cy="1993863"/>
-          </a:xfrm>
-          <a:prstGeom prst="rect">
-            <a:avLst/>
-          </a:prstGeom>
-        </p:spPr>
-      </p:pic>
-      <p:cxnSp>
-        <p:nvCxnSpPr>
-          <p:cNvPr id="19" name="직선 화살표 연결선 18"/>
-          <p:cNvCxnSpPr/>
-          <p:nvPr/>
-        </p:nvCxnSpPr>
-        <p:spPr>
-          <a:xfrm flipV="1">
-            <a:off x="1832336" y="1659507"/>
-            <a:ext cx="344334" cy="910309"/>
-          </a:xfrm>
-          <a:prstGeom prst="straightConnector1">
-            <a:avLst/>
-          </a:prstGeom>
-          <a:ln w="38100">
-            <a:solidFill>
-              <a:srgbClr val="FF0000"/>
-            </a:solidFill>
-            <a:tailEnd type="triangle"/>
-          </a:ln>
-        </p:spPr>
-        <p:style>
-          <a:lnRef idx="1">
-            <a:schemeClr val="accent1"/>
-          </a:lnRef>
-          <a:fillRef idx="0">
-            <a:schemeClr val="accent1"/>
-          </a:fillRef>
-          <a:effectRef idx="0">
-            <a:schemeClr val="accent1"/>
-          </a:effectRef>
-          <a:fontRef idx="minor">
-            <a:schemeClr val="tx1"/>
-          </a:fontRef>
-        </p:style>
-      </p:cxnSp>
-      <p:pic>
-        <p:nvPicPr>
-          <p:cNvPr id="9" name="그림 8"/>
-          <p:cNvPicPr>
-            <a:picLocks noChangeAspect="1"/>
-          </p:cNvPicPr>
-          <p:nvPr/>
-        </p:nvPicPr>
-        <p:blipFill>
-          <a:blip r:embed="rId5"/>
-          <a:stretch>
-            <a:fillRect/>
-          </a:stretch>
-        </p:blipFill>
-        <p:spPr>
-          <a:xfrm>
-            <a:off x="2630485" y="2556047"/>
-            <a:ext cx="3435853" cy="1993863"/>
-          </a:xfrm>
-          <a:prstGeom prst="rect">
-            <a:avLst/>
-          </a:prstGeom>
-        </p:spPr>
-      </p:pic>
-      <p:cxnSp>
-        <p:nvCxnSpPr>
-          <p:cNvPr id="20" name="직선 화살표 연결선 19"/>
-          <p:cNvCxnSpPr/>
-          <p:nvPr/>
-        </p:nvCxnSpPr>
-        <p:spPr>
-          <a:xfrm flipH="1" flipV="1">
-            <a:off x="2524540" y="1599561"/>
-            <a:ext cx="1790953" cy="932467"/>
-          </a:xfrm>
-          <a:prstGeom prst="straightConnector1">
-            <a:avLst/>
-          </a:prstGeom>
-          <a:ln w="38100">
-            <a:solidFill>
-              <a:srgbClr val="FF0000"/>
-            </a:solidFill>
-            <a:tailEnd type="triangle"/>
-          </a:ln>
-        </p:spPr>
-        <p:style>
-          <a:lnRef idx="1">
-            <a:schemeClr val="accent1"/>
-          </a:lnRef>
-          <a:fillRef idx="0">
-            <a:schemeClr val="accent1"/>
-          </a:fillRef>
-          <a:effectRef idx="0">
-            <a:schemeClr val="accent1"/>
-          </a:effectRef>
-          <a:fontRef idx="minor">
-            <a:schemeClr val="tx1"/>
-          </a:fontRef>
-        </p:style>
-      </p:cxnSp>
-      <p:cxnSp>
-        <p:nvCxnSpPr>
-          <p:cNvPr id="26" name="직선 화살표 연결선 25"/>
-          <p:cNvCxnSpPr/>
-          <p:nvPr/>
-        </p:nvCxnSpPr>
-        <p:spPr>
-          <a:xfrm flipH="1" flipV="1">
-            <a:off x="3766930" y="1599561"/>
-            <a:ext cx="548563" cy="956486"/>
-          </a:xfrm>
-          <a:prstGeom prst="straightConnector1">
-            <a:avLst/>
-          </a:prstGeom>
-          <a:ln w="38100">
-            <a:solidFill>
-              <a:srgbClr val="FF0000"/>
-            </a:solidFill>
-            <a:tailEnd type="triangle"/>
-          </a:ln>
-        </p:spPr>
-        <p:style>
-          <a:lnRef idx="1">
-            <a:schemeClr val="accent1"/>
-          </a:lnRef>
-          <a:fillRef idx="0">
-            <a:schemeClr val="accent1"/>
-          </a:fillRef>
-          <a:effectRef idx="0">
-            <a:schemeClr val="accent1"/>
-          </a:effectRef>
-          <a:fontRef idx="minor">
-            <a:schemeClr val="tx1"/>
-          </a:fontRef>
-        </p:style>
-      </p:cxnSp>
-      <p:sp>
-        <p:nvSpPr>
-          <p:cNvPr id="28" name="TextBox 27"/>
-          <p:cNvSpPr txBox="1"/>
-          <p:nvPr/>
-        </p:nvSpPr>
-        <p:spPr>
-          <a:xfrm>
-            <a:off x="3420016" y="4644460"/>
-            <a:ext cx="1590500" cy="307777"/>
-          </a:xfrm>
-          <a:prstGeom prst="rect">
-            <a:avLst/>
-          </a:prstGeom>
-          <a:noFill/>
-        </p:spPr>
-        <p:txBody>
-          <a:bodyPr wrap="none" rtlCol="0">
-            <a:spAutoFit/>
-          </a:bodyPr>
-          <a:lstStyle/>
-          <a:p>
-            <a:r>
-              <a:rPr lang="ko-KR" altLang="en-US" dirty="0" smtClean="0">
-                <a:solidFill>
-                  <a:srgbClr val="6A7B8B"/>
-                </a:solidFill>
-              </a:rPr>
-              <a:t>구분 및 기호 지정</a:t>
-            </a:r>
-            <a:endParaRPr lang="en-US" altLang="ko-KR" dirty="0">
-              <a:solidFill>
-                <a:srgbClr val="6A7B8B"/>
-              </a:solidFill>
-            </a:endParaRPr>
-          </a:p>
-        </p:txBody>
-      </p:sp>
-      <p:pic>
-        <p:nvPicPr>
-          <p:cNvPr id="14" name="그림 13"/>
-          <p:cNvPicPr>
-            <a:picLocks noChangeAspect="1"/>
-          </p:cNvPicPr>
-          <p:nvPr/>
-        </p:nvPicPr>
-        <p:blipFill>
-          <a:blip r:embed="rId6"/>
-          <a:stretch>
-            <a:fillRect/>
-          </a:stretch>
-        </p:blipFill>
-        <p:spPr>
-          <a:xfrm>
-            <a:off x="6234177" y="2798824"/>
-            <a:ext cx="2665543" cy="1508307"/>
-          </a:xfrm>
-          <a:prstGeom prst="rect">
-            <a:avLst/>
-          </a:prstGeom>
-        </p:spPr>
-      </p:pic>
-      <p:sp>
-        <p:nvSpPr>
-          <p:cNvPr id="30" name="TextBox 29"/>
-          <p:cNvSpPr txBox="1"/>
-          <p:nvPr/>
-        </p:nvSpPr>
-        <p:spPr>
-          <a:xfrm>
-            <a:off x="6477547" y="4601683"/>
-            <a:ext cx="2178802" cy="307777"/>
-          </a:xfrm>
-          <a:prstGeom prst="rect">
-            <a:avLst/>
-          </a:prstGeom>
-          <a:noFill/>
-        </p:spPr>
-        <p:txBody>
-          <a:bodyPr wrap="none" rtlCol="0">
-            <a:spAutoFit/>
-          </a:bodyPr>
-          <a:lstStyle/>
-          <a:p>
-            <a:r>
-              <a:rPr lang="ko-KR" altLang="en-US" dirty="0" smtClean="0">
-                <a:solidFill>
-                  <a:srgbClr val="6A7B8B"/>
-                </a:solidFill>
-              </a:rPr>
-              <a:t>테이블 이용 갤러리 구현</a:t>
-            </a:r>
-            <a:endParaRPr lang="en-US" altLang="ko-KR" dirty="0">
-              <a:solidFill>
-                <a:srgbClr val="6A7B8B"/>
-              </a:solidFill>
-            </a:endParaRPr>
-          </a:p>
-        </p:txBody>
-      </p:sp>
-    </p:spTree>
-    <p:extLst>
-      <p:ext uri="{BB962C8B-B14F-4D97-AF65-F5344CB8AC3E}">
-        <p14:creationId xmlns:p14="http://schemas.microsoft.com/office/powerpoint/2010/main" val="1813454964"/>
-      </p:ext>
-    </p:extLst>
-  </p:cSld>
-  <p:clrMapOvr>
-    <a:masterClrMapping/>
-  </p:clrMapOvr>
-  <p:timing>
-    <p:tnLst>
-      <p:par>
-        <p:cTn id="1" dur="indefinite" restart="never" nodeType="tmRoot"/>
-      </p:par>
-    </p:tnLst>
-  </p:timing>
-</p:sld>
-</file>
-
-<file path=ppt/slides/slide9.xml><?xml version="1.0" encoding="utf-8"?>
-<p:sld xmlns:a="http://schemas.openxmlformats.org/drawingml/2006/main" xmlns:r="http://schemas.openxmlformats.org/officeDocument/2006/relationships" xmlns:p="http://schemas.openxmlformats.org/presentationml/2006/main">
-  <p:cSld>
-    <p:spTree>
-      <p:nvGrpSpPr>
-        <p:cNvPr id="1" name="Shape 166"/>
-        <p:cNvGrpSpPr/>
-        <p:nvPr/>
-      </p:nvGrpSpPr>
-      <p:grpSpPr>
-        <a:xfrm>
-          <a:off x="0" y="0"/>
-          <a:ext cx="0" cy="0"/>
-          <a:chOff x="0" y="0"/>
-          <a:chExt cx="0" cy="0"/>
-        </a:xfrm>
-      </p:grpSpPr>
-      <p:sp>
-        <p:nvSpPr>
-          <p:cNvPr id="167" name="Google Shape;167;p3"/>
-          <p:cNvSpPr/>
-          <p:nvPr/>
-        </p:nvSpPr>
-        <p:spPr>
-          <a:xfrm>
-            <a:off x="1" y="0"/>
-            <a:ext cx="9143999" cy="5143500"/>
-          </a:xfrm>
-          <a:prstGeom prst="rect">
-            <a:avLst/>
-          </a:prstGeom>
-          <a:solidFill>
-            <a:srgbClr val="F0F0F0"/>
-          </a:solidFill>
-          <a:ln>
-            <a:noFill/>
-          </a:ln>
-        </p:spPr>
-        <p:txBody>
-          <a:bodyPr spcFirstLastPara="1" wrap="square" lIns="91425" tIns="45700" rIns="91425" bIns="45700" anchor="ctr" anchorCtr="0">
-            <a:noAutofit/>
-          </a:bodyPr>
-          <a:lstStyle/>
-          <a:p>
-            <a:pPr marL="0" marR="0" lvl="0" indent="0" rtl="0">
-              <a:lnSpc>
-                <a:spcPct val="100000"/>
-              </a:lnSpc>
-              <a:spcBef>
-                <a:spcPts val="0"/>
-              </a:spcBef>
-              <a:spcAft>
-                <a:spcPts val="0"/>
-              </a:spcAft>
-              <a:buClr>
-                <a:srgbClr val="000000"/>
-              </a:buClr>
-              <a:buSzPts val="1800"/>
-              <a:buFont typeface="Arial"/>
-              <a:buNone/>
-            </a:pPr>
-            <a:endParaRPr sz="1800" b="0" i="0" u="none" strike="noStrike" cap="none" dirty="0">
-              <a:solidFill>
-                <a:schemeClr val="lt1"/>
-              </a:solidFill>
-              <a:latin typeface="Malgun Gothic"/>
-              <a:ea typeface="Malgun Gothic"/>
-              <a:cs typeface="Malgun Gothic"/>
-              <a:sym typeface="Malgun Gothic"/>
-            </a:endParaRPr>
-          </a:p>
-        </p:txBody>
-      </p:sp>
-      <p:cxnSp>
-        <p:nvCxnSpPr>
-          <p:cNvPr id="23" name="직선 연결선 22"/>
-          <p:cNvCxnSpPr/>
-          <p:nvPr/>
-        </p:nvCxnSpPr>
-        <p:spPr>
-          <a:xfrm>
-            <a:off x="-2" y="712969"/>
-            <a:ext cx="2631520" cy="0"/>
-          </a:xfrm>
-          <a:prstGeom prst="line">
-            <a:avLst/>
-          </a:prstGeom>
-          <a:ln w="12700">
-            <a:solidFill>
-              <a:srgbClr val="6A7B8B"/>
-            </a:solidFill>
-          </a:ln>
-        </p:spPr>
-        <p:style>
-          <a:lnRef idx="1">
-            <a:schemeClr val="accent1"/>
-          </a:lnRef>
-          <a:fillRef idx="0">
-            <a:schemeClr val="accent1"/>
-          </a:fillRef>
-          <a:effectRef idx="0">
-            <a:schemeClr val="accent1"/>
-          </a:effectRef>
-          <a:fontRef idx="minor">
-            <a:schemeClr val="tx1"/>
-          </a:fontRef>
-        </p:style>
-      </p:cxnSp>
-      <p:sp>
-        <p:nvSpPr>
-          <p:cNvPr id="24" name="Google Shape;130;p1"/>
-          <p:cNvSpPr txBox="1"/>
-          <p:nvPr/>
-        </p:nvSpPr>
-        <p:spPr>
-          <a:xfrm>
-            <a:off x="520604" y="52107"/>
-            <a:ext cx="2226933" cy="577200"/>
-          </a:xfrm>
-          <a:prstGeom prst="rect">
-            <a:avLst/>
-          </a:prstGeom>
-          <a:noFill/>
-          <a:ln>
-            <a:noFill/>
-          </a:ln>
-        </p:spPr>
-        <p:txBody>
-          <a:bodyPr spcFirstLastPara="1" wrap="square" lIns="91425" tIns="45700" rIns="91425" bIns="45700" anchor="t" anchorCtr="0">
-            <a:noAutofit/>
-          </a:bodyPr>
-          <a:lstStyle/>
-          <a:p>
-            <a:pPr marL="0" marR="0" lvl="0" indent="0" rtl="0">
-              <a:lnSpc>
-                <a:spcPct val="100000"/>
-              </a:lnSpc>
-              <a:spcBef>
-                <a:spcPts val="0"/>
-              </a:spcBef>
-              <a:spcAft>
-                <a:spcPts val="0"/>
-              </a:spcAft>
-              <a:buClr>
-                <a:srgbClr val="000000"/>
-              </a:buClr>
-              <a:buSzPts val="4400"/>
-              <a:buFont typeface="Arial"/>
-              <a:buNone/>
-            </a:pPr>
-            <a:r>
               <a:rPr lang="en-US" altLang="ko-KR" sz="1800" b="1" i="0" u="none" strike="noStrike" cap="none" dirty="0" err="1" smtClean="0">
                 <a:solidFill>
                   <a:srgbClr val="6A7B8B"/>
@@ -22382,7 +22502,7 @@
         <p:spPr>
           <a:xfrm>
             <a:off x="636622" y="776718"/>
-            <a:ext cx="7774885" cy="738664"/>
+            <a:ext cx="8233344" cy="738664"/>
           </a:xfrm>
           <a:prstGeom prst="rect">
             <a:avLst/>
@@ -22411,7 +22531,7 @@
                 </a:solidFill>
                 <a:hlinkClick r:id="rId3"/>
               </a:rPr>
-              <a:t>kimdonggeun200418.github.io/GreenAcademy/HTML/Regular%20Exam/Tour/layout.html</a:t>
+              <a:t>kimdonggeun200418.github.io/GreenAcademy/HTML/Regular%20Exam/FoodShop/layout.html</a:t>
             </a:r>
             <a:endParaRPr lang="en-US" altLang="ko-KR" dirty="0" smtClean="0">
               <a:solidFill>
@@ -22427,7 +22547,7 @@
                 </a:solidFill>
                 <a:hlinkClick r:id="rId4"/>
               </a:rPr>
-              <a:t>https://</a:t>
+              <a:t>https</a:t>
             </a:r>
             <a:r>
               <a:rPr lang="en-US" altLang="ko-KR" dirty="0" smtClean="0">
@@ -22436,7 +22556,7 @@
                 </a:solidFill>
                 <a:hlinkClick r:id="rId4"/>
               </a:rPr>
-              <a:t>kimdonggeun200418.github.io/GreenAcademy/HTML/Regular%20Exam/Tour/main.html</a:t>
+              <a:t>://kimdonggeun200418.github.io/GreenAcademy/HTML/Regular%20Exam/FoodShop/main.html</a:t>
             </a:r>
             <a:endParaRPr lang="en-US" altLang="ko-KR" dirty="0" smtClean="0">
               <a:solidFill>
@@ -22531,7 +22651,7 @@
       </p:sp>
       <p:pic>
         <p:nvPicPr>
-          <p:cNvPr id="2" name="그림 1"/>
+          <p:cNvPr id="4" name="그림 3"/>
           <p:cNvPicPr>
             <a:picLocks noChangeAspect="1"/>
           </p:cNvPicPr>
@@ -22545,8 +22665,8 @@
         </p:blipFill>
         <p:spPr>
           <a:xfrm>
-            <a:off x="1150040" y="1359070"/>
-            <a:ext cx="2577134" cy="3094127"/>
+            <a:off x="1396283" y="1353918"/>
+            <a:ext cx="2702508" cy="3095880"/>
           </a:xfrm>
           <a:prstGeom prst="rect">
             <a:avLst/>
@@ -22555,7 +22675,7 @@
       </p:pic>
       <p:pic>
         <p:nvPicPr>
-          <p:cNvPr id="3" name="그림 2"/>
+          <p:cNvPr id="5" name="그림 4"/>
           <p:cNvPicPr>
             <a:picLocks noChangeAspect="1"/>
           </p:cNvPicPr>
@@ -22569,8 +22689,8 @@
         </p:blipFill>
         <p:spPr>
           <a:xfrm>
-            <a:off x="4738388" y="1359069"/>
-            <a:ext cx="2487360" cy="3090729"/>
+            <a:off x="4660669" y="1353918"/>
+            <a:ext cx="2949381" cy="3095880"/>
           </a:xfrm>
           <a:prstGeom prst="rect">
             <a:avLst/>
